--- a/01 Intro to Spotfire.pptx
+++ b/01 Intro to Spotfire.pptx
@@ -15,6 +15,7 @@
     <p:sldId id="264" r:id="rId9"/>
     <p:sldId id="262" r:id="rId10"/>
     <p:sldId id="263" r:id="rId11"/>
+    <p:sldId id="266" r:id="rId12"/>
   </p:sldIdLst>
   <p:sldSz cx="12192000" cy="6858000"/>
   <p:notesSz cx="6858000" cy="9144000"/>
@@ -368,7 +369,7 @@
             <a:fld id="{BF669CD5-EC14-4DE5-86A6-D9133CD12038}" type="datetimeFigureOut">
               <a:rPr lang="en-GB" smtClean="0"/>
               <a:pPr/>
-              <a:t>28/09/2020</a:t>
+              <a:t>29/09/2020</a:t>
             </a:fld>
             <a:endParaRPr lang="en-GB" dirty="0"/>
           </a:p>
@@ -603,7 +604,7 @@
             <a:fld id="{BF669CD5-EC14-4DE5-86A6-D9133CD12038}" type="datetimeFigureOut">
               <a:rPr lang="en-GB" smtClean="0"/>
               <a:pPr/>
-              <a:t>28/09/2020</a:t>
+              <a:t>29/09/2020</a:t>
             </a:fld>
             <a:endParaRPr lang="en-GB"/>
           </a:p>
@@ -857,7 +858,7 @@
             <a:fld id="{BF669CD5-EC14-4DE5-86A6-D9133CD12038}" type="datetimeFigureOut">
               <a:rPr lang="en-GB" smtClean="0"/>
               <a:pPr/>
-              <a:t>28/09/2020</a:t>
+              <a:t>29/09/2020</a:t>
             </a:fld>
             <a:endParaRPr lang="en-GB"/>
           </a:p>
@@ -1119,7 +1120,7 @@
             <a:fld id="{BF669CD5-EC14-4DE5-86A6-D9133CD12038}" type="datetimeFigureOut">
               <a:rPr lang="en-GB" smtClean="0"/>
               <a:pPr/>
-              <a:t>28/09/2020</a:t>
+              <a:t>29/09/2020</a:t>
             </a:fld>
             <a:endParaRPr lang="en-GB"/>
           </a:p>
@@ -1363,7 +1364,7 @@
             <a:fld id="{BF669CD5-EC14-4DE5-86A6-D9133CD12038}" type="datetimeFigureOut">
               <a:rPr lang="en-GB" smtClean="0"/>
               <a:pPr/>
-              <a:t>28/09/2020</a:t>
+              <a:t>29/09/2020</a:t>
             </a:fld>
             <a:endParaRPr lang="en-GB"/>
           </a:p>
@@ -1752,7 +1753,7 @@
             <a:fld id="{BF669CD5-EC14-4DE5-86A6-D9133CD12038}" type="datetimeFigureOut">
               <a:rPr lang="en-GB" smtClean="0"/>
               <a:pPr/>
-              <a:t>28/09/2020</a:t>
+              <a:t>29/09/2020</a:t>
             </a:fld>
             <a:endParaRPr lang="en-GB"/>
           </a:p>
@@ -2286,7 +2287,7 @@
             <a:fld id="{BF669CD5-EC14-4DE5-86A6-D9133CD12038}" type="datetimeFigureOut">
               <a:rPr lang="en-GB" smtClean="0"/>
               <a:pPr/>
-              <a:t>28/09/2020</a:t>
+              <a:t>29/09/2020</a:t>
             </a:fld>
             <a:endParaRPr lang="en-GB"/>
           </a:p>
@@ -2455,7 +2456,7 @@
             <a:fld id="{BF669CD5-EC14-4DE5-86A6-D9133CD12038}" type="datetimeFigureOut">
               <a:rPr lang="en-GB" smtClean="0"/>
               <a:pPr/>
-              <a:t>28/09/2020</a:t>
+              <a:t>29/09/2020</a:t>
             </a:fld>
             <a:endParaRPr lang="en-GB"/>
           </a:p>
@@ -2592,7 +2593,7 @@
             <a:fld id="{BF669CD5-EC14-4DE5-86A6-D9133CD12038}" type="datetimeFigureOut">
               <a:rPr lang="en-GB" smtClean="0"/>
               <a:pPr/>
-              <a:t>28/09/2020</a:t>
+              <a:t>29/09/2020</a:t>
             </a:fld>
             <a:endParaRPr lang="en-GB"/>
           </a:p>
@@ -2946,7 +2947,7 @@
             <a:fld id="{BF669CD5-EC14-4DE5-86A6-D9133CD12038}" type="datetimeFigureOut">
               <a:rPr lang="en-GB" smtClean="0"/>
               <a:pPr/>
-              <a:t>28/09/2020</a:t>
+              <a:t>29/09/2020</a:t>
             </a:fld>
             <a:endParaRPr lang="en-GB"/>
           </a:p>
@@ -3257,7 +3258,7 @@
             <a:fld id="{BF669CD5-EC14-4DE5-86A6-D9133CD12038}" type="datetimeFigureOut">
               <a:rPr lang="en-GB" smtClean="0"/>
               <a:pPr/>
-              <a:t>28/09/2020</a:t>
+              <a:t>29/09/2020</a:t>
             </a:fld>
             <a:endParaRPr lang="en-GB"/>
           </a:p>
@@ -3521,7 +3522,7 @@
             <a:fld id="{BF669CD5-EC14-4DE5-86A6-D9133CD12038}" type="datetimeFigureOut">
               <a:rPr lang="en-GB" smtClean="0"/>
               <a:pPr/>
-              <a:t>28/09/2020</a:t>
+              <a:t>29/09/2020</a:t>
             </a:fld>
             <a:endParaRPr lang="en-GB" dirty="0"/>
           </a:p>
@@ -4099,7 +4100,11 @@
           <a:bodyPr/>
           <a:lstStyle/>
           <a:p>
-            <a:endParaRPr lang="en-US"/>
+            <a:r>
+              <a:rPr lang="cs-CZ" dirty="0"/>
+              <a:t>Pablo Maldonado, Ph.D.</a:t>
+            </a:r>
+            <a:endParaRPr lang="en-US" dirty="0"/>
           </a:p>
         </p:txBody>
       </p:sp>
@@ -4166,7 +4171,7 @@
             </a:r>
             <a:r>
               <a:rPr lang="cs-CZ" dirty="0" err="1"/>
-              <a:t>client</a:t>
+              <a:t>Client</a:t>
             </a:r>
             <a:r>
               <a:rPr lang="cs-CZ" dirty="0"/>
@@ -4174,7 +4179,7 @@
             </a:r>
             <a:r>
               <a:rPr lang="cs-CZ" dirty="0" err="1"/>
-              <a:t>applications</a:t>
+              <a:t>Applications</a:t>
             </a:r>
             <a:endParaRPr lang="en-US" dirty="0"/>
           </a:p>
@@ -4473,6 +4478,68 @@
     <p:extLst>
       <p:ext uri="{BB962C8B-B14F-4D97-AF65-F5344CB8AC3E}">
         <p14:creationId xmlns:p14="http://schemas.microsoft.com/office/powerpoint/2010/main" val="4259696680"/>
+      </p:ext>
+    </p:extLst>
+  </p:cSld>
+  <p:clrMapOvr>
+    <a:masterClrMapping/>
+  </p:clrMapOvr>
+</p:sld>
+</file>
+
+<file path=ppt/slides/slide11.xml><?xml version="1.0" encoding="utf-8"?>
+<p:sld xmlns:a="http://schemas.openxmlformats.org/drawingml/2006/main" xmlns:r="http://schemas.openxmlformats.org/officeDocument/2006/relationships" xmlns:p="http://schemas.openxmlformats.org/presentationml/2006/main">
+  <p:cSld>
+    <p:spTree>
+      <p:nvGrpSpPr>
+        <p:cNvPr id="1" name=""/>
+        <p:cNvGrpSpPr/>
+        <p:nvPr/>
+      </p:nvGrpSpPr>
+      <p:grpSpPr>
+        <a:xfrm>
+          <a:off x="0" y="0"/>
+          <a:ext cx="0" cy="0"/>
+          <a:chOff x="0" y="0"/>
+          <a:chExt cx="0" cy="0"/>
+        </a:xfrm>
+      </p:grpSpPr>
+      <p:sp>
+        <p:nvSpPr>
+          <p:cNvPr id="4" name="Title 3">
+            <a:extLst>
+              <a:ext uri="{FF2B5EF4-FFF2-40B4-BE49-F238E27FC236}">
+                <a16:creationId xmlns:a16="http://schemas.microsoft.com/office/drawing/2014/main" id="{26080617-5B56-4D80-84B7-5BCC61EB697D}"/>
+              </a:ext>
+            </a:extLst>
+          </p:cNvPr>
+          <p:cNvSpPr>
+            <a:spLocks noGrp="1"/>
+          </p:cNvSpPr>
+          <p:nvPr>
+            <p:ph type="title"/>
+          </p:nvPr>
+        </p:nvSpPr>
+        <p:spPr/>
+        <p:txBody>
+          <a:bodyPr/>
+          <a:lstStyle/>
+          <a:p>
+            <a:r>
+              <a:rPr lang="cs-CZ" dirty="0" err="1"/>
+              <a:t>Hands</a:t>
+            </a:r>
+            <a:r>
+              <a:rPr lang="cs-CZ" dirty="0"/>
+              <a:t>-on!</a:t>
+            </a:r>
+          </a:p>
+        </p:txBody>
+      </p:sp>
+    </p:spTree>
+    <p:extLst>
+      <p:ext uri="{BB962C8B-B14F-4D97-AF65-F5344CB8AC3E}">
+        <p14:creationId xmlns:p14="http://schemas.microsoft.com/office/powerpoint/2010/main" val="482336304"/>
       </p:ext>
     </p:extLst>
   </p:cSld>
@@ -5695,7 +5762,7 @@
           <a:p>
             <a:r>
               <a:rPr lang="cs-CZ" dirty="0" err="1"/>
-              <a:t>Getting</a:t>
+              <a:t>Spotfire</a:t>
             </a:r>
             <a:r>
               <a:rPr lang="cs-CZ" dirty="0"/>
@@ -5703,27 +5770,11 @@
             </a:r>
             <a:r>
               <a:rPr lang="cs-CZ" dirty="0" err="1"/>
-              <a:t>started</a:t>
-            </a:r>
-            <a:r>
-              <a:rPr lang="cs-CZ" dirty="0"/>
-              <a:t> </a:t>
-            </a:r>
-            <a:r>
-              <a:rPr lang="cs-CZ" dirty="0" err="1"/>
-              <a:t>with</a:t>
-            </a:r>
-            <a:r>
-              <a:rPr lang="cs-CZ" dirty="0"/>
-              <a:t> </a:t>
-            </a:r>
-            <a:r>
-              <a:rPr lang="cs-CZ" dirty="0" err="1"/>
-              <a:t>Spotfire</a:t>
-            </a:r>
-            <a:r>
-              <a:rPr lang="cs-CZ" dirty="0"/>
-              <a:t>.</a:t>
+              <a:t>at</a:t>
+            </a:r>
+            <a:r>
+              <a:rPr lang="cs-CZ" dirty="0"/>
+              <a:t> a glance</a:t>
             </a:r>
           </a:p>
         </p:txBody>
